--- a/makePPT/master.pptx
+++ b/makePPT/master.pptx
@@ -108,6 +108,11 @@
       </a:defRPr>
     </a:lvl9pPr>
   </p:defaultTextStyle>
+  <p:extLst>
+    <p:ext uri="{EFAFB233-063F-42B5-8137-9DF3F51BA10A}">
+      <p15:sldGuideLst xmlns:p15="http://schemas.microsoft.com/office/powerpoint/2012/main"/>
+    </p:ext>
+  </p:extLst>
 </p:presentation>
 </file>
 
@@ -257,38 +262,37 @@
           <a:p>
             <a:pPr lvl="0"/>
             <a:r>
-              <a:rPr lang="ko-KR" altLang="en-US" smtClean="0"/>
+              <a:rPr lang="ko-KR" altLang="en-US"/>
               <a:t>마스터 텍스트 스타일 편집</a:t>
             </a:r>
           </a:p>
           <a:p>
             <a:pPr lvl="1"/>
             <a:r>
-              <a:rPr lang="ko-KR" altLang="en-US" smtClean="0"/>
+              <a:rPr lang="ko-KR" altLang="en-US"/>
               <a:t>둘째 수준</a:t>
             </a:r>
           </a:p>
           <a:p>
             <a:pPr lvl="2"/>
             <a:r>
-              <a:rPr lang="ko-KR" altLang="en-US" smtClean="0"/>
+              <a:rPr lang="ko-KR" altLang="en-US"/>
               <a:t>셋째 수준</a:t>
             </a:r>
           </a:p>
           <a:p>
             <a:pPr lvl="3"/>
             <a:r>
-              <a:rPr lang="ko-KR" altLang="en-US" smtClean="0"/>
+              <a:rPr lang="ko-KR" altLang="en-US"/>
               <a:t>넷째 수준</a:t>
             </a:r>
           </a:p>
           <a:p>
             <a:pPr lvl="4"/>
             <a:r>
-              <a:rPr lang="ko-KR" altLang="en-US" smtClean="0"/>
+              <a:rPr lang="ko-KR" altLang="en-US"/>
               <a:t>다섯째 수준</a:t>
             </a:r>
-            <a:endParaRPr lang="ko-KR" altLang="en-US"/>
           </a:p>
         </p:txBody>
       </p:sp>
@@ -777,7 +781,7 @@
   <p:clrMapOvr>
     <a:masterClrMapping/>
   </p:clrMapOvr>
-  <p:extLst mod="1">
+  <p:extLst>
     <p:ext uri="{DCECCB84-F9BA-43D5-87BE-67443E8EF086}">
       <p15:sldGuideLst xmlns:p15="http://schemas.microsoft.com/office/powerpoint/2012/main"/>
     </p:ext>
@@ -934,7 +938,7 @@
   <p:clrMapOvr>
     <a:masterClrMapping/>
   </p:clrMapOvr>
-  <p:extLst mod="1">
+  <p:extLst>
     <p:ext uri="{DCECCB84-F9BA-43D5-87BE-67443E8EF086}">
       <p15:sldGuideLst xmlns:p15="http://schemas.microsoft.com/office/powerpoint/2012/main"/>
     </p:ext>
@@ -1597,7 +1601,7 @@
       </a:lvl9pPr>
     </p:otherStyle>
   </p:txStyles>
-  <p:extLst mod="1">
+  <p:extLst>
     <p:ext uri="{27BBF7A9-308A-43DC-89C8-2F10F3537804}">
       <p15:sldGuideLst xmlns:p15="http://schemas.microsoft.com/office/powerpoint/2012/main"/>
     </p:ext>
@@ -1688,7 +1692,7 @@
               </a:lnSpc>
             </a:pPr>
             <a:r>
-              <a:rPr lang="ko-KR" altLang="en-US" sz="4000" b="1" spc="-95" smtClean="0">
+              <a:rPr lang="ko-KR" altLang="en-US" sz="4000" b="1" spc="-95">
                 <a:latin typeface="+mj-ea"/>
                 <a:ea typeface="+mj-ea"/>
               </a:rPr>
@@ -1744,14 +1748,7 @@
                 <a:latin typeface="+mj-ea"/>
                 <a:ea typeface="+mj-ea"/>
               </a:rPr>
-              <a:t>‘20. </a:t>
-            </a:r>
-            <a:r>
-              <a:rPr lang="en-US" altLang="ko-KR" spc="-95" smtClean="0">
-                <a:latin typeface="+mj-ea"/>
-                <a:ea typeface="+mj-ea"/>
-              </a:rPr>
-              <a:t>12</a:t>
+              <a:t>‘20. 12</a:t>
             </a:r>
           </a:p>
           <a:p>
@@ -1764,21 +1761,21 @@
               </a:buClr>
             </a:pPr>
             <a:r>
-              <a:rPr lang="en-US" altLang="ko-KR" b="1" spc="-95" smtClean="0">
+              <a:rPr lang="en-US" altLang="ko-KR" b="1" spc="-95">
                 <a:latin typeface="+mj-ea"/>
                 <a:ea typeface="+mj-ea"/>
               </a:rPr>
               <a:t>HRD</a:t>
             </a:r>
             <a:r>
-              <a:rPr lang="ko-KR" altLang="en-US" b="1" spc="-95" smtClean="0">
+              <a:rPr lang="ko-KR" altLang="en-US" b="1" spc="-95">
                 <a:latin typeface="+mj-ea"/>
                 <a:ea typeface="+mj-ea"/>
               </a:rPr>
               <a:t>플랫폼구축</a:t>
             </a:r>
             <a:r>
-              <a:rPr lang="en-US" altLang="ko-KR" b="1" spc="-95" smtClean="0">
+              <a:rPr lang="en-US" altLang="ko-KR" b="1" spc="-95">
                 <a:latin typeface="+mj-ea"/>
                 <a:ea typeface="+mj-ea"/>
               </a:rPr>
@@ -1918,7 +1915,7 @@
           <p:nvPr>
             <p:extLst>
               <p:ext uri="{D42A27DB-BD31-4B8C-83A1-F6EECF244321}">
-                <p14:modId xmlns:p14="http://schemas.microsoft.com/office/powerpoint/2010/main" val="3590103052"/>
+                <p14:modId xmlns:p14="http://schemas.microsoft.com/office/powerpoint/2010/main" val="1353342183"/>
               </p:ext>
             </p:extLst>
           </p:nvPr>
@@ -1971,14 +1968,14 @@
                     <a:p>
                       <a:pPr algn="ctr" latinLnBrk="1"/>
                       <a:r>
-                        <a:rPr lang="en-US" altLang="ko-KR" sz="1400" b="1" smtClean="0">
+                        <a:rPr lang="en-US" altLang="ko-KR" sz="1400" b="1" dirty="0">
                           <a:solidFill>
                             <a:schemeClr val="tx1"/>
                           </a:solidFill>
                         </a:rPr>
                         <a:t>No.</a:t>
                       </a:r>
-                      <a:endParaRPr lang="ko-KR" altLang="en-US" sz="1400" b="1">
+                      <a:endParaRPr lang="ko-KR" altLang="en-US" sz="1400" b="1" dirty="0">
                         <a:solidFill>
                           <a:schemeClr val="tx1"/>
                         </a:solidFill>
@@ -2051,11 +2048,22 @@
                     <a:lstStyle/>
                     <a:p>
                       <a:pPr algn="ctr" latinLnBrk="1"/>
-                      <a:endParaRPr lang="ko-KR" altLang="en-US" sz="1400" b="0">
-                        <a:solidFill>
-                          <a:schemeClr val="tx1"/>
-                        </a:solidFill>
-                      </a:endParaRPr>
+                      <a:r>
+                        <a:rPr lang="en-US" altLang="ko-KR" sz="1400" b="0" dirty="0">
+                          <a:solidFill>
+                            <a:schemeClr val="tx1"/>
+                          </a:solidFill>
+                        </a:rPr>
+                        <a:t>No.</a:t>
+                      </a:r>
+                      <a:r>
+                        <a:rPr lang="ko-KR" altLang="en-US" sz="1400" b="0" dirty="0">
+                          <a:solidFill>
+                            <a:schemeClr val="tx1"/>
+                          </a:solidFill>
+                        </a:rPr>
+                        <a:t>내용</a:t>
+                      </a:r>
                     </a:p>
                   </a:txBody>
                   <a:tcPr anchor="ctr">
@@ -2139,13 +2147,28 @@
                         <a:defRPr/>
                       </a:pPr>
                       <a:r>
-                        <a:rPr lang="ko-KR" altLang="en-US" sz="1400" b="1" smtClean="0">
+                        <a:rPr lang="en-US" altLang="ko-KR" sz="1400" b="1" dirty="0">
                           <a:solidFill>
                             <a:schemeClr val="tx1"/>
                           </a:solidFill>
+                          <a:latin typeface="+mn-ea"/>
                         </a:rPr>
-                        <a:t>테스트담당자</a:t>
+                        <a:t>IT</a:t>
                       </a:r>
+                      <a:r>
+                        <a:rPr lang="ko-KR" altLang="en-US" sz="1400" b="1" dirty="0">
+                          <a:solidFill>
+                            <a:schemeClr val="tx1"/>
+                          </a:solidFill>
+                          <a:latin typeface="+mn-ea"/>
+                        </a:rPr>
+                        <a:t>담당자 </a:t>
+                      </a:r>
+                      <a:endParaRPr lang="ko-KR" altLang="en-US" sz="1400" b="1" dirty="0">
+                        <a:solidFill>
+                          <a:schemeClr val="tx1"/>
+                        </a:solidFill>
+                      </a:endParaRPr>
                     </a:p>
                   </a:txBody>
                   <a:tcPr anchor="ctr">
@@ -2214,11 +2237,22 @@
                     <a:lstStyle/>
                     <a:p>
                       <a:pPr algn="ctr" latinLnBrk="1"/>
-                      <a:endParaRPr lang="ko-KR" altLang="en-US" sz="1400" b="0">
-                        <a:solidFill>
-                          <a:schemeClr val="tx1"/>
-                        </a:solidFill>
-                      </a:endParaRPr>
+                      <a:r>
+                        <a:rPr lang="en-US" altLang="ko-KR" sz="1400" b="0" dirty="0">
+                          <a:solidFill>
+                            <a:schemeClr val="tx1"/>
+                          </a:solidFill>
+                        </a:rPr>
+                        <a:t>IT</a:t>
+                      </a:r>
+                      <a:r>
+                        <a:rPr lang="ko-KR" altLang="en-US" sz="1400" b="0" dirty="0">
+                          <a:solidFill>
+                            <a:schemeClr val="tx1"/>
+                          </a:solidFill>
+                        </a:rPr>
+                        <a:t>담당자내용</a:t>
+                      </a:r>
                     </a:p>
                   </a:txBody>
                   <a:tcPr anchor="ctr">
@@ -2293,14 +2327,15 @@
                     <a:p>
                       <a:pPr algn="ctr" latinLnBrk="1"/>
                       <a:r>
-                        <a:rPr lang="ko-KR" altLang="en-US" sz="1400" b="1" smtClean="0">
+                        <a:rPr lang="ko-KR" altLang="en-US" sz="1400" b="1" dirty="0">
                           <a:solidFill>
                             <a:schemeClr val="tx1"/>
                           </a:solidFill>
+                          <a:latin typeface="+mn-ea"/>
                         </a:rPr>
-                        <a:t>유형</a:t>
+                        <a:t>업무수행자</a:t>
                       </a:r>
-                      <a:endParaRPr lang="ko-KR" altLang="en-US" sz="1400" b="1">
+                      <a:endParaRPr lang="ko-KR" altLang="en-US" sz="1400" b="1" dirty="0">
                         <a:solidFill>
                           <a:schemeClr val="tx1"/>
                         </a:solidFill>
@@ -2373,7 +2408,15 @@
                     <a:lstStyle/>
                     <a:p>
                       <a:pPr algn="ctr" latinLnBrk="1"/>
-                      <a:endParaRPr lang="ko-KR" altLang="en-US" sz="1400" b="0">
+                      <a:r>
+                        <a:rPr lang="ko-KR" altLang="en-US" sz="1400" b="0" dirty="0" err="1">
+                          <a:solidFill>
+                            <a:schemeClr val="tx1"/>
+                          </a:solidFill>
+                        </a:rPr>
+                        <a:t>업무수행자내용</a:t>
+                      </a:r>
+                      <a:endParaRPr lang="ko-KR" altLang="en-US" sz="1400" b="0" dirty="0">
                         <a:solidFill>
                           <a:schemeClr val="tx1"/>
                         </a:solidFill>
@@ -2443,20 +2486,31 @@
                     <a:bodyPr/>
                     <a:lstStyle/>
                     <a:p>
-                      <a:pPr algn="ctr" latinLnBrk="1"/>
+                      <a:pPr marL="0" marR="0" lvl="0" indent="0" algn="ctr" defTabSz="914251" rtl="0" eaLnBrk="1" fontAlgn="auto" latinLnBrk="1" hangingPunct="1">
+                        <a:lnSpc>
+                          <a:spcPct val="100000"/>
+                        </a:lnSpc>
+                        <a:spcBef>
+                          <a:spcPts val="0"/>
+                        </a:spcBef>
+                        <a:spcAft>
+                          <a:spcPts val="0"/>
+                        </a:spcAft>
+                        <a:buClrTx/>
+                        <a:buSzTx/>
+                        <a:buFontTx/>
+                        <a:buNone/>
+                        <a:tabLst/>
+                        <a:defRPr/>
+                      </a:pPr>
                       <a:r>
-                        <a:rPr lang="ko-KR" altLang="en-US" sz="1400" b="1" smtClean="0">
+                        <a:rPr lang="ko-KR" altLang="en-US" sz="1400" b="1" dirty="0">
                           <a:solidFill>
                             <a:schemeClr val="tx1"/>
                           </a:solidFill>
                         </a:rPr>
-                        <a:t>상황구분</a:t>
+                        <a:t>테스트담당자</a:t>
                       </a:r>
-                      <a:endParaRPr lang="ko-KR" altLang="en-US" sz="1400" b="1">
-                        <a:solidFill>
-                          <a:schemeClr val="tx1"/>
-                        </a:solidFill>
-                      </a:endParaRPr>
                     </a:p>
                   </a:txBody>
                   <a:tcPr anchor="ctr">
@@ -2525,11 +2579,321 @@
                     <a:lstStyle/>
                     <a:p>
                       <a:pPr algn="ctr" latinLnBrk="1"/>
-                      <a:endParaRPr lang="ko-KR" altLang="en-US" sz="1400" b="0">
-                        <a:solidFill>
-                          <a:schemeClr val="tx1"/>
-                        </a:solidFill>
-                      </a:endParaRPr>
+                      <a:r>
+                        <a:rPr lang="ko-KR" altLang="en-US" sz="1400" b="0" dirty="0">
+                          <a:solidFill>
+                            <a:schemeClr val="tx1"/>
+                          </a:solidFill>
+                        </a:rPr>
+                        <a:t>운영담당자내용</a:t>
+                      </a:r>
+                    </a:p>
+                  </a:txBody>
+                  <a:tcPr anchor="ctr">
+                    <a:lnL w="3175" cap="flat" cmpd="sng" algn="ctr">
+                      <a:solidFill>
+                        <a:schemeClr val="bg1">
+                          <a:lumMod val="65000"/>
+                        </a:schemeClr>
+                      </a:solidFill>
+                      <a:prstDash val="solid"/>
+                      <a:round/>
+                      <a:headEnd type="none" w="med" len="med"/>
+                      <a:tailEnd type="none" w="med" len="med"/>
+                    </a:lnL>
+                    <a:lnR w="12700" cap="flat" cmpd="sng" algn="ctr">
+                      <a:solidFill>
+                        <a:schemeClr val="bg1">
+                          <a:lumMod val="65000"/>
+                        </a:schemeClr>
+                      </a:solidFill>
+                      <a:prstDash val="solid"/>
+                      <a:round/>
+                      <a:headEnd type="none" w="med" len="med"/>
+                      <a:tailEnd type="none" w="med" len="med"/>
+                    </a:lnR>
+                    <a:lnT w="3175" cap="flat" cmpd="sng" algn="ctr">
+                      <a:solidFill>
+                        <a:schemeClr val="bg1">
+                          <a:lumMod val="65000"/>
+                        </a:schemeClr>
+                      </a:solidFill>
+                      <a:prstDash val="solid"/>
+                      <a:round/>
+                      <a:headEnd type="none" w="med" len="med"/>
+                      <a:tailEnd type="none" w="med" len="med"/>
+                    </a:lnT>
+                    <a:lnB w="3175" cap="flat" cmpd="sng" algn="ctr">
+                      <a:solidFill>
+                        <a:schemeClr val="bg1">
+                          <a:lumMod val="65000"/>
+                        </a:schemeClr>
+                      </a:solidFill>
+                      <a:prstDash val="solid"/>
+                      <a:round/>
+                      <a:headEnd type="none" w="med" len="med"/>
+                      <a:tailEnd type="none" w="med" len="med"/>
+                    </a:lnB>
+                    <a:lnTlToBr w="12700" cmpd="sng">
+                      <a:noFill/>
+                      <a:prstDash val="solid"/>
+                    </a:lnTlToBr>
+                    <a:lnBlToTr w="12700" cmpd="sng">
+                      <a:noFill/>
+                      <a:prstDash val="solid"/>
+                    </a:lnBlToTr>
+                    <a:solidFill>
+                      <a:schemeClr val="bg1"/>
+                    </a:solidFill>
+                  </a:tcPr>
+                </a:tc>
+                <a:extLst>
+                  <a:ext uri="{0D108BD9-81ED-4DB2-BD59-A6C34878D82A}">
+                    <a16:rowId xmlns:a16="http://schemas.microsoft.com/office/drawing/2014/main" val="2525751162"/>
+                  </a:ext>
+                </a:extLst>
+              </a:tr>
+              <a:tr h="370840">
+                <a:tc>
+                  <a:txBody>
+                    <a:bodyPr/>
+                    <a:lstStyle/>
+                    <a:p>
+                      <a:pPr algn="ctr" latinLnBrk="1"/>
+                      <a:r>
+                        <a:rPr lang="ko-KR" altLang="en-US" sz="1400" b="1" dirty="0">
+                          <a:solidFill>
+                            <a:schemeClr val="tx1"/>
+                          </a:solidFill>
+                        </a:rPr>
+                        <a:t>유형</a:t>
+                      </a:r>
+                    </a:p>
+                  </a:txBody>
+                  <a:tcPr anchor="ctr">
+                    <a:lnL w="12700" cap="flat" cmpd="sng" algn="ctr">
+                      <a:solidFill>
+                        <a:schemeClr val="bg1">
+                          <a:lumMod val="65000"/>
+                        </a:schemeClr>
+                      </a:solidFill>
+                      <a:prstDash val="solid"/>
+                      <a:round/>
+                      <a:headEnd type="none" w="med" len="med"/>
+                      <a:tailEnd type="none" w="med" len="med"/>
+                    </a:lnL>
+                    <a:lnR w="3175" cap="flat" cmpd="sng" algn="ctr">
+                      <a:solidFill>
+                        <a:schemeClr val="bg1">
+                          <a:lumMod val="65000"/>
+                        </a:schemeClr>
+                      </a:solidFill>
+                      <a:prstDash val="solid"/>
+                      <a:round/>
+                      <a:headEnd type="none" w="med" len="med"/>
+                      <a:tailEnd type="none" w="med" len="med"/>
+                    </a:lnR>
+                    <a:lnT w="3175" cap="flat" cmpd="sng" algn="ctr">
+                      <a:solidFill>
+                        <a:schemeClr val="bg1">
+                          <a:lumMod val="65000"/>
+                        </a:schemeClr>
+                      </a:solidFill>
+                      <a:prstDash val="solid"/>
+                      <a:round/>
+                      <a:headEnd type="none" w="med" len="med"/>
+                      <a:tailEnd type="none" w="med" len="med"/>
+                    </a:lnT>
+                    <a:lnB w="3175" cap="flat" cmpd="sng" algn="ctr">
+                      <a:solidFill>
+                        <a:schemeClr val="bg1">
+                          <a:lumMod val="65000"/>
+                        </a:schemeClr>
+                      </a:solidFill>
+                      <a:prstDash val="solid"/>
+                      <a:round/>
+                      <a:headEnd type="none" w="med" len="med"/>
+                      <a:tailEnd type="none" w="med" len="med"/>
+                    </a:lnB>
+                    <a:lnTlToBr w="12700" cmpd="sng">
+                      <a:noFill/>
+                      <a:prstDash val="solid"/>
+                    </a:lnTlToBr>
+                    <a:lnBlToTr w="12700" cmpd="sng">
+                      <a:noFill/>
+                      <a:prstDash val="solid"/>
+                    </a:lnBlToTr>
+                    <a:solidFill>
+                      <a:schemeClr val="bg1">
+                        <a:lumMod val="95000"/>
+                      </a:schemeClr>
+                    </a:solidFill>
+                  </a:tcPr>
+                </a:tc>
+                <a:tc>
+                  <a:txBody>
+                    <a:bodyPr/>
+                    <a:lstStyle/>
+                    <a:p>
+                      <a:pPr algn="ctr" latinLnBrk="1"/>
+                      <a:r>
+                        <a:rPr lang="ko-KR" altLang="en-US" sz="1400" b="0" dirty="0">
+                          <a:solidFill>
+                            <a:schemeClr val="tx1"/>
+                          </a:solidFill>
+                        </a:rPr>
+                        <a:t>유형내용</a:t>
+                      </a:r>
+                    </a:p>
+                  </a:txBody>
+                  <a:tcPr anchor="ctr">
+                    <a:lnL w="3175" cap="flat" cmpd="sng" algn="ctr">
+                      <a:solidFill>
+                        <a:schemeClr val="bg1">
+                          <a:lumMod val="65000"/>
+                        </a:schemeClr>
+                      </a:solidFill>
+                      <a:prstDash val="solid"/>
+                      <a:round/>
+                      <a:headEnd type="none" w="med" len="med"/>
+                      <a:tailEnd type="none" w="med" len="med"/>
+                    </a:lnL>
+                    <a:lnR w="3175" cap="flat" cmpd="sng" algn="ctr">
+                      <a:solidFill>
+                        <a:schemeClr val="bg1">
+                          <a:lumMod val="65000"/>
+                        </a:schemeClr>
+                      </a:solidFill>
+                      <a:prstDash val="solid"/>
+                      <a:round/>
+                      <a:headEnd type="none" w="med" len="med"/>
+                      <a:tailEnd type="none" w="med" len="med"/>
+                    </a:lnR>
+                    <a:lnT w="3175" cap="flat" cmpd="sng" algn="ctr">
+                      <a:solidFill>
+                        <a:schemeClr val="bg1">
+                          <a:lumMod val="65000"/>
+                        </a:schemeClr>
+                      </a:solidFill>
+                      <a:prstDash val="solid"/>
+                      <a:round/>
+                      <a:headEnd type="none" w="med" len="med"/>
+                      <a:tailEnd type="none" w="med" len="med"/>
+                    </a:lnT>
+                    <a:lnB w="3175" cap="flat" cmpd="sng" algn="ctr">
+                      <a:solidFill>
+                        <a:schemeClr val="bg1">
+                          <a:lumMod val="65000"/>
+                        </a:schemeClr>
+                      </a:solidFill>
+                      <a:prstDash val="solid"/>
+                      <a:round/>
+                      <a:headEnd type="none" w="med" len="med"/>
+                      <a:tailEnd type="none" w="med" len="med"/>
+                    </a:lnB>
+                    <a:lnTlToBr w="12700" cmpd="sng">
+                      <a:noFill/>
+                      <a:prstDash val="solid"/>
+                    </a:lnTlToBr>
+                    <a:lnBlToTr w="12700" cmpd="sng">
+                      <a:noFill/>
+                      <a:prstDash val="solid"/>
+                    </a:lnBlToTr>
+                    <a:solidFill>
+                      <a:schemeClr val="bg1"/>
+                    </a:solidFill>
+                  </a:tcPr>
+                </a:tc>
+                <a:tc>
+                  <a:txBody>
+                    <a:bodyPr/>
+                    <a:lstStyle/>
+                    <a:p>
+                      <a:pPr algn="ctr" latinLnBrk="1"/>
+                      <a:r>
+                        <a:rPr lang="ko-KR" altLang="en-US" sz="1400" b="1" dirty="0">
+                          <a:solidFill>
+                            <a:schemeClr val="tx1"/>
+                          </a:solidFill>
+                        </a:rPr>
+                        <a:t>상황구분</a:t>
+                      </a:r>
+                    </a:p>
+                  </a:txBody>
+                  <a:tcPr anchor="ctr">
+                    <a:lnL w="3175" cap="flat" cmpd="sng" algn="ctr">
+                      <a:solidFill>
+                        <a:schemeClr val="bg1">
+                          <a:lumMod val="65000"/>
+                        </a:schemeClr>
+                      </a:solidFill>
+                      <a:prstDash val="solid"/>
+                      <a:round/>
+                      <a:headEnd type="none" w="med" len="med"/>
+                      <a:tailEnd type="none" w="med" len="med"/>
+                    </a:lnL>
+                    <a:lnR w="3175" cap="flat" cmpd="sng" algn="ctr">
+                      <a:solidFill>
+                        <a:schemeClr val="bg1">
+                          <a:lumMod val="65000"/>
+                        </a:schemeClr>
+                      </a:solidFill>
+                      <a:prstDash val="solid"/>
+                      <a:round/>
+                      <a:headEnd type="none" w="med" len="med"/>
+                      <a:tailEnd type="none" w="med" len="med"/>
+                    </a:lnR>
+                    <a:lnT w="3175" cap="flat" cmpd="sng" algn="ctr">
+                      <a:solidFill>
+                        <a:schemeClr val="bg1">
+                          <a:lumMod val="65000"/>
+                        </a:schemeClr>
+                      </a:solidFill>
+                      <a:prstDash val="solid"/>
+                      <a:round/>
+                      <a:headEnd type="none" w="med" len="med"/>
+                      <a:tailEnd type="none" w="med" len="med"/>
+                    </a:lnT>
+                    <a:lnB w="3175" cap="flat" cmpd="sng" algn="ctr">
+                      <a:solidFill>
+                        <a:schemeClr val="bg1">
+                          <a:lumMod val="65000"/>
+                        </a:schemeClr>
+                      </a:solidFill>
+                      <a:prstDash val="solid"/>
+                      <a:round/>
+                      <a:headEnd type="none" w="med" len="med"/>
+                      <a:tailEnd type="none" w="med" len="med"/>
+                    </a:lnB>
+                    <a:lnTlToBr w="12700" cmpd="sng">
+                      <a:noFill/>
+                      <a:prstDash val="solid"/>
+                    </a:lnTlToBr>
+                    <a:lnBlToTr w="12700" cmpd="sng">
+                      <a:noFill/>
+                      <a:prstDash val="solid"/>
+                    </a:lnBlToTr>
+                    <a:solidFill>
+                      <a:schemeClr val="bg1">
+                        <a:lumMod val="95000"/>
+                      </a:schemeClr>
+                    </a:solidFill>
+                  </a:tcPr>
+                </a:tc>
+                <a:tc>
+                  <a:txBody>
+                    <a:bodyPr/>
+                    <a:lstStyle/>
+                    <a:p>
+                      <a:pPr algn="ctr" latinLnBrk="1"/>
+                      <a:r>
+                        <a:rPr lang="ko-KR" altLang="en-US" sz="1400" b="0" dirty="0">
+                          <a:solidFill>
+                            <a:schemeClr val="tx1"/>
+                          </a:solidFill>
+                        </a:rPr>
+                        <a:t>정상구분내용</a:t>
+                      </a:r>
                     </a:p>
                   </a:txBody>
                   <a:tcPr anchor="ctr">
@@ -2604,7 +2968,7 @@
                     <a:p>
                       <a:pPr algn="ctr" latinLnBrk="1"/>
                       <a:r>
-                        <a:rPr lang="en-US" altLang="ko-KR" sz="1400" b="1" smtClean="0">
+                        <a:rPr lang="en-US" altLang="ko-KR" sz="1400" b="1" dirty="0">
                           <a:solidFill>
                             <a:schemeClr val="tx1"/>
                           </a:solidFill>
@@ -2612,7 +2976,7 @@
                         </a:rPr>
                         <a:t>Process</a:t>
                       </a:r>
-                      <a:endParaRPr lang="ko-KR" altLang="en-US" sz="1400" b="1">
+                      <a:endParaRPr lang="ko-KR" altLang="en-US" sz="1400" b="1" dirty="0">
                         <a:solidFill>
                           <a:schemeClr val="tx1"/>
                         </a:solidFill>
@@ -2685,11 +3049,22 @@
                     <a:lstStyle/>
                     <a:p>
                       <a:pPr algn="ctr" latinLnBrk="1"/>
-                      <a:endParaRPr lang="ko-KR" altLang="en-US" sz="1400" b="0">
-                        <a:solidFill>
-                          <a:schemeClr val="tx1"/>
-                        </a:solidFill>
-                      </a:endParaRPr>
+                      <a:r>
+                        <a:rPr lang="en-US" altLang="ko-KR" sz="1400" b="0" dirty="0">
+                          <a:solidFill>
+                            <a:schemeClr val="tx1"/>
+                          </a:solidFill>
+                        </a:rPr>
+                        <a:t>Process</a:t>
+                      </a:r>
+                      <a:r>
+                        <a:rPr lang="ko-KR" altLang="en-US" sz="1400" b="0" dirty="0">
+                          <a:solidFill>
+                            <a:schemeClr val="tx1"/>
+                          </a:solidFill>
+                        </a:rPr>
+                        <a:t>내용</a:t>
+                      </a:r>
                     </a:p>
                   </a:txBody>
                   <a:tcPr anchor="ctr">
@@ -2757,7 +3132,7 @@
                     <a:p>
                       <a:pPr algn="ctr" latinLnBrk="1"/>
                       <a:r>
-                        <a:rPr lang="en-US" altLang="ko-KR" sz="1400" b="1" smtClean="0">
+                        <a:rPr lang="en-US" altLang="ko-KR" sz="1400" b="1" dirty="0">
                           <a:solidFill>
                             <a:schemeClr val="tx1"/>
                           </a:solidFill>
@@ -2765,7 +3140,7 @@
                         </a:rPr>
                         <a:t>Task</a:t>
                       </a:r>
-                      <a:endParaRPr lang="ko-KR" altLang="en-US" sz="1400" b="1">
+                      <a:endParaRPr lang="ko-KR" altLang="en-US" sz="1400" b="1" dirty="0">
                         <a:solidFill>
                           <a:schemeClr val="tx1"/>
                         </a:solidFill>
@@ -2838,11 +3213,22 @@
                     <a:lstStyle/>
                     <a:p>
                       <a:pPr algn="ctr" latinLnBrk="1"/>
-                      <a:endParaRPr lang="ko-KR" altLang="en-US" sz="1400" b="0">
-                        <a:solidFill>
-                          <a:schemeClr val="tx1"/>
-                        </a:solidFill>
-                      </a:endParaRPr>
+                      <a:r>
+                        <a:rPr lang="en-US" altLang="ko-KR" sz="1400" b="0" dirty="0">
+                          <a:solidFill>
+                            <a:schemeClr val="tx1"/>
+                          </a:solidFill>
+                        </a:rPr>
+                        <a:t>Task</a:t>
+                      </a:r>
+                      <a:r>
+                        <a:rPr lang="ko-KR" altLang="en-US" sz="1400" b="0" dirty="0">
+                          <a:solidFill>
+                            <a:schemeClr val="tx1"/>
+                          </a:solidFill>
+                        </a:rPr>
+                        <a:t>내용</a:t>
+                      </a:r>
                     </a:p>
                   </a:txBody>
                   <a:tcPr anchor="ctr">
@@ -2917,7 +3303,7 @@
                     <a:p>
                       <a:pPr algn="ctr" latinLnBrk="1"/>
                       <a:r>
-                        <a:rPr lang="en-US" altLang="ko-KR" sz="1400" b="1" smtClean="0">
+                        <a:rPr lang="en-US" altLang="ko-KR" sz="1400" b="1" dirty="0">
                           <a:solidFill>
                             <a:schemeClr val="tx1"/>
                           </a:solidFill>
@@ -2925,7 +3311,7 @@
                         </a:rPr>
                         <a:t>Step/Action</a:t>
                       </a:r>
-                      <a:endParaRPr lang="ko-KR" altLang="en-US" sz="1400" b="1">
+                      <a:endParaRPr lang="ko-KR" altLang="en-US" sz="1400" b="1" dirty="0">
                         <a:solidFill>
                           <a:schemeClr val="tx1"/>
                         </a:solidFill>
@@ -2997,12 +3383,45 @@
                     <a:bodyPr/>
                     <a:lstStyle/>
                     <a:p>
-                      <a:pPr algn="l" latinLnBrk="1"/>
-                      <a:endParaRPr lang="ko-KR" altLang="en-US" sz="1400" b="0">
-                        <a:solidFill>
-                          <a:schemeClr val="tx1"/>
-                        </a:solidFill>
-                      </a:endParaRPr>
+                      <a:pPr marL="0" marR="0" lvl="0" indent="0" algn="l" defTabSz="914251" rtl="0" eaLnBrk="1" fontAlgn="auto" latinLnBrk="1" hangingPunct="1">
+                        <a:lnSpc>
+                          <a:spcPct val="100000"/>
+                        </a:lnSpc>
+                        <a:spcBef>
+                          <a:spcPts val="0"/>
+                        </a:spcBef>
+                        <a:spcAft>
+                          <a:spcPts val="0"/>
+                        </a:spcAft>
+                        <a:buClrTx/>
+                        <a:buSzTx/>
+                        <a:buFontTx/>
+                        <a:buNone/>
+                        <a:tabLst/>
+                        <a:defRPr/>
+                      </a:pPr>
+                      <a:r>
+                        <a:rPr lang="en-US" altLang="ko-KR" sz="1400" b="0" kern="1200" dirty="0">
+                          <a:solidFill>
+                            <a:schemeClr val="tx1"/>
+                          </a:solidFill>
+                          <a:latin typeface="+mn-ea"/>
+                          <a:ea typeface="+mn-ea"/>
+                          <a:cs typeface="+mn-cs"/>
+                        </a:rPr>
+                        <a:t>Step/Action</a:t>
+                      </a:r>
+                      <a:r>
+                        <a:rPr lang="ko-KR" altLang="en-US" sz="1400" b="0" kern="1200" dirty="0">
+                          <a:solidFill>
+                            <a:schemeClr val="tx1"/>
+                          </a:solidFill>
+                          <a:latin typeface="+mn-ea"/>
+                          <a:ea typeface="+mn-ea"/>
+                          <a:cs typeface="+mn-cs"/>
+                        </a:rPr>
+                        <a:t>내용</a:t>
+                      </a:r>
                     </a:p>
                   </a:txBody>
                   <a:tcPr anchor="ctr">
@@ -3237,15 +3656,15 @@
                         <a:defRPr/>
                       </a:pPr>
                       <a:r>
-                        <a:rPr lang="en-US" altLang="ko-KR" sz="1400" b="1" smtClean="0">
+                        <a:rPr lang="en-US" altLang="ko-KR" sz="1400" b="1" dirty="0">
                           <a:solidFill>
                             <a:schemeClr val="tx1"/>
                           </a:solidFill>
                           <a:latin typeface="+mn-ea"/>
                         </a:rPr>
-                        <a:t>Menu Path </a:t>
+                        <a:t>Menu Path</a:t>
                       </a:r>
-                      <a:endParaRPr lang="ko-KR" altLang="en-US" sz="1400" b="1" smtClean="0">
+                      <a:endParaRPr lang="ko-KR" altLang="en-US" sz="1400" b="1" dirty="0">
                         <a:solidFill>
                           <a:schemeClr val="tx1"/>
                         </a:solidFill>
@@ -3318,11 +3737,28 @@
                     <a:lstStyle/>
                     <a:p>
                       <a:pPr algn="l" latinLnBrk="1"/>
-                      <a:endParaRPr lang="ko-KR" altLang="en-US" sz="1400" b="0">
-                        <a:solidFill>
-                          <a:schemeClr val="tx1"/>
-                        </a:solidFill>
-                      </a:endParaRPr>
+                      <a:r>
+                        <a:rPr lang="en-US" altLang="ko-KR" sz="1400" b="0" kern="1200" dirty="0">
+                          <a:solidFill>
+                            <a:schemeClr val="tx1"/>
+                          </a:solidFill>
+                          <a:latin typeface="+mn-ea"/>
+                          <a:ea typeface="+mn-ea"/>
+                          <a:cs typeface="+mn-cs"/>
+                        </a:rPr>
+                        <a:t>Menu Path</a:t>
+                      </a:r>
+                      <a:r>
+                        <a:rPr lang="ko-KR" altLang="en-US" sz="1400" b="0" kern="1200" dirty="0">
+                          <a:solidFill>
+                            <a:schemeClr val="tx1"/>
+                          </a:solidFill>
+                          <a:latin typeface="+mn-ea"/>
+                          <a:ea typeface="+mn-ea"/>
+                          <a:cs typeface="+mn-cs"/>
+                        </a:rPr>
+                        <a:t>내용</a:t>
+                      </a:r>
                     </a:p>
                   </a:txBody>
                   <a:tcPr anchor="ctr">
@@ -3533,344 +3969,6 @@
                   </a:ext>
                 </a:extLst>
               </a:tr>
-              <a:tr h="370840">
-                <a:tc>
-                  <a:txBody>
-                    <a:bodyPr/>
-                    <a:lstStyle/>
-                    <a:p>
-                      <a:pPr algn="ctr" latinLnBrk="1"/>
-                      <a:r>
-                        <a:rPr lang="ko-KR" altLang="en-US" sz="1400" b="1" smtClean="0">
-                          <a:solidFill>
-                            <a:schemeClr val="tx1"/>
-                          </a:solidFill>
-                          <a:latin typeface="+mn-ea"/>
-                        </a:rPr>
-                        <a:t>업무수행자</a:t>
-                      </a:r>
-                      <a:endParaRPr lang="ko-KR" altLang="en-US" sz="1400" b="1">
-                        <a:solidFill>
-                          <a:schemeClr val="tx1"/>
-                        </a:solidFill>
-                      </a:endParaRPr>
-                    </a:p>
-                  </a:txBody>
-                  <a:tcPr anchor="ctr">
-                    <a:lnL w="12700" cap="flat" cmpd="sng" algn="ctr">
-                      <a:solidFill>
-                        <a:schemeClr val="bg1">
-                          <a:lumMod val="65000"/>
-                        </a:schemeClr>
-                      </a:solidFill>
-                      <a:prstDash val="solid"/>
-                      <a:round/>
-                      <a:headEnd type="none" w="med" len="med"/>
-                      <a:tailEnd type="none" w="med" len="med"/>
-                    </a:lnL>
-                    <a:lnR w="3175" cap="flat" cmpd="sng" algn="ctr">
-                      <a:solidFill>
-                        <a:schemeClr val="bg1">
-                          <a:lumMod val="65000"/>
-                        </a:schemeClr>
-                      </a:solidFill>
-                      <a:prstDash val="solid"/>
-                      <a:round/>
-                      <a:headEnd type="none" w="med" len="med"/>
-                      <a:tailEnd type="none" w="med" len="med"/>
-                    </a:lnR>
-                    <a:lnT w="3175" cap="flat" cmpd="sng" algn="ctr">
-                      <a:solidFill>
-                        <a:schemeClr val="bg1">
-                          <a:lumMod val="65000"/>
-                        </a:schemeClr>
-                      </a:solidFill>
-                      <a:prstDash val="solid"/>
-                      <a:round/>
-                      <a:headEnd type="none" w="med" len="med"/>
-                      <a:tailEnd type="none" w="med" len="med"/>
-                    </a:lnT>
-                    <a:lnB w="3175" cap="flat" cmpd="sng" algn="ctr">
-                      <a:solidFill>
-                        <a:schemeClr val="bg1">
-                          <a:lumMod val="65000"/>
-                        </a:schemeClr>
-                      </a:solidFill>
-                      <a:prstDash val="solid"/>
-                      <a:round/>
-                      <a:headEnd type="none" w="med" len="med"/>
-                      <a:tailEnd type="none" w="med" len="med"/>
-                    </a:lnB>
-                    <a:lnTlToBr w="12700" cmpd="sng">
-                      <a:noFill/>
-                      <a:prstDash val="solid"/>
-                    </a:lnTlToBr>
-                    <a:lnBlToTr w="12700" cmpd="sng">
-                      <a:noFill/>
-                      <a:prstDash val="solid"/>
-                    </a:lnBlToTr>
-                    <a:solidFill>
-                      <a:schemeClr val="bg1">
-                        <a:lumMod val="95000"/>
-                      </a:schemeClr>
-                    </a:solidFill>
-                  </a:tcPr>
-                </a:tc>
-                <a:tc>
-                  <a:txBody>
-                    <a:bodyPr/>
-                    <a:lstStyle/>
-                    <a:p>
-                      <a:pPr algn="ctr" latinLnBrk="1"/>
-                      <a:endParaRPr lang="ko-KR" altLang="en-US" sz="1400" b="0">
-                        <a:solidFill>
-                          <a:schemeClr val="tx1"/>
-                        </a:solidFill>
-                      </a:endParaRPr>
-                    </a:p>
-                  </a:txBody>
-                  <a:tcPr anchor="ctr">
-                    <a:lnL w="3175" cap="flat" cmpd="sng" algn="ctr">
-                      <a:solidFill>
-                        <a:schemeClr val="bg1">
-                          <a:lumMod val="65000"/>
-                        </a:schemeClr>
-                      </a:solidFill>
-                      <a:prstDash val="solid"/>
-                      <a:round/>
-                      <a:headEnd type="none" w="med" len="med"/>
-                      <a:tailEnd type="none" w="med" len="med"/>
-                    </a:lnL>
-                    <a:lnR w="3175" cap="flat" cmpd="sng" algn="ctr">
-                      <a:solidFill>
-                        <a:schemeClr val="bg1">
-                          <a:lumMod val="65000"/>
-                        </a:schemeClr>
-                      </a:solidFill>
-                      <a:prstDash val="solid"/>
-                      <a:round/>
-                      <a:headEnd type="none" w="med" len="med"/>
-                      <a:tailEnd type="none" w="med" len="med"/>
-                    </a:lnR>
-                    <a:lnT w="3175" cap="flat" cmpd="sng" algn="ctr">
-                      <a:solidFill>
-                        <a:schemeClr val="bg1">
-                          <a:lumMod val="65000"/>
-                        </a:schemeClr>
-                      </a:solidFill>
-                      <a:prstDash val="solid"/>
-                      <a:round/>
-                      <a:headEnd type="none" w="med" len="med"/>
-                      <a:tailEnd type="none" w="med" len="med"/>
-                    </a:lnT>
-                    <a:lnB w="3175" cap="flat" cmpd="sng" algn="ctr">
-                      <a:solidFill>
-                        <a:schemeClr val="bg1">
-                          <a:lumMod val="65000"/>
-                        </a:schemeClr>
-                      </a:solidFill>
-                      <a:prstDash val="solid"/>
-                      <a:round/>
-                      <a:headEnd type="none" w="med" len="med"/>
-                      <a:tailEnd type="none" w="med" len="med"/>
-                    </a:lnB>
-                    <a:lnTlToBr w="12700" cmpd="sng">
-                      <a:noFill/>
-                      <a:prstDash val="solid"/>
-                    </a:lnTlToBr>
-                    <a:lnBlToTr w="12700" cmpd="sng">
-                      <a:noFill/>
-                      <a:prstDash val="solid"/>
-                    </a:lnBlToTr>
-                    <a:solidFill>
-                      <a:schemeClr val="bg1"/>
-                    </a:solidFill>
-                  </a:tcPr>
-                </a:tc>
-                <a:tc>
-                  <a:txBody>
-                    <a:bodyPr/>
-                    <a:lstStyle/>
-                    <a:p>
-                      <a:pPr marL="0" marR="0" lvl="0" indent="0" algn="ctr" defTabSz="914251" rtl="0" eaLnBrk="1" fontAlgn="auto" latinLnBrk="1" hangingPunct="1">
-                        <a:lnSpc>
-                          <a:spcPct val="100000"/>
-                        </a:lnSpc>
-                        <a:spcBef>
-                          <a:spcPts val="0"/>
-                        </a:spcBef>
-                        <a:spcAft>
-                          <a:spcPts val="0"/>
-                        </a:spcAft>
-                        <a:buClrTx/>
-                        <a:buSzTx/>
-                        <a:buFontTx/>
-                        <a:buNone/>
-                        <a:tabLst/>
-                        <a:defRPr/>
-                      </a:pPr>
-                      <a:r>
-                        <a:rPr lang="en-US" altLang="ko-KR" sz="1400" b="1" smtClean="0">
-                          <a:solidFill>
-                            <a:schemeClr val="tx1"/>
-                          </a:solidFill>
-                          <a:latin typeface="+mn-ea"/>
-                        </a:rPr>
-                        <a:t>IT</a:t>
-                      </a:r>
-                      <a:r>
-                        <a:rPr lang="ko-KR" altLang="en-US" sz="1400" b="1" smtClean="0">
-                          <a:solidFill>
-                            <a:schemeClr val="tx1"/>
-                          </a:solidFill>
-                          <a:latin typeface="+mn-ea"/>
-                        </a:rPr>
-                        <a:t>담당자 </a:t>
-                      </a:r>
-                      <a:endParaRPr lang="ko-KR" altLang="en-US" sz="1400" b="1" smtClean="0">
-                        <a:solidFill>
-                          <a:schemeClr val="tx1"/>
-                        </a:solidFill>
-                      </a:endParaRPr>
-                    </a:p>
-                  </a:txBody>
-                  <a:tcPr anchor="ctr">
-                    <a:lnL w="3175" cap="flat" cmpd="sng" algn="ctr">
-                      <a:solidFill>
-                        <a:schemeClr val="bg1">
-                          <a:lumMod val="65000"/>
-                        </a:schemeClr>
-                      </a:solidFill>
-                      <a:prstDash val="solid"/>
-                      <a:round/>
-                      <a:headEnd type="none" w="med" len="med"/>
-                      <a:tailEnd type="none" w="med" len="med"/>
-                    </a:lnL>
-                    <a:lnR w="3175" cap="flat" cmpd="sng" algn="ctr">
-                      <a:solidFill>
-                        <a:schemeClr val="bg1">
-                          <a:lumMod val="65000"/>
-                        </a:schemeClr>
-                      </a:solidFill>
-                      <a:prstDash val="solid"/>
-                      <a:round/>
-                      <a:headEnd type="none" w="med" len="med"/>
-                      <a:tailEnd type="none" w="med" len="med"/>
-                    </a:lnR>
-                    <a:lnT w="3175" cap="flat" cmpd="sng" algn="ctr">
-                      <a:solidFill>
-                        <a:schemeClr val="bg1">
-                          <a:lumMod val="65000"/>
-                        </a:schemeClr>
-                      </a:solidFill>
-                      <a:prstDash val="solid"/>
-                      <a:round/>
-                      <a:headEnd type="none" w="med" len="med"/>
-                      <a:tailEnd type="none" w="med" len="med"/>
-                    </a:lnT>
-                    <a:lnB w="3175" cap="flat" cmpd="sng" algn="ctr">
-                      <a:solidFill>
-                        <a:schemeClr val="bg1">
-                          <a:lumMod val="65000"/>
-                        </a:schemeClr>
-                      </a:solidFill>
-                      <a:prstDash val="solid"/>
-                      <a:round/>
-                      <a:headEnd type="none" w="med" len="med"/>
-                      <a:tailEnd type="none" w="med" len="med"/>
-                    </a:lnB>
-                    <a:lnTlToBr w="12700" cmpd="sng">
-                      <a:noFill/>
-                      <a:prstDash val="solid"/>
-                    </a:lnTlToBr>
-                    <a:lnBlToTr w="12700" cmpd="sng">
-                      <a:noFill/>
-                      <a:prstDash val="solid"/>
-                    </a:lnBlToTr>
-                    <a:solidFill>
-                      <a:schemeClr val="bg1">
-                        <a:lumMod val="95000"/>
-                      </a:schemeClr>
-                    </a:solidFill>
-                  </a:tcPr>
-                </a:tc>
-                <a:tc>
-                  <a:txBody>
-                    <a:bodyPr/>
-                    <a:lstStyle/>
-                    <a:p>
-                      <a:pPr algn="ctr" latinLnBrk="1"/>
-                      <a:endParaRPr lang="ko-KR" altLang="en-US" sz="1400" b="0">
-                        <a:solidFill>
-                          <a:schemeClr val="tx1"/>
-                        </a:solidFill>
-                      </a:endParaRPr>
-                    </a:p>
-                  </a:txBody>
-                  <a:tcPr anchor="ctr">
-                    <a:lnL w="3175" cap="flat" cmpd="sng" algn="ctr">
-                      <a:solidFill>
-                        <a:schemeClr val="bg1">
-                          <a:lumMod val="65000"/>
-                        </a:schemeClr>
-                      </a:solidFill>
-                      <a:prstDash val="solid"/>
-                      <a:round/>
-                      <a:headEnd type="none" w="med" len="med"/>
-                      <a:tailEnd type="none" w="med" len="med"/>
-                    </a:lnL>
-                    <a:lnR w="12700" cap="flat" cmpd="sng" algn="ctr">
-                      <a:solidFill>
-                        <a:schemeClr val="bg1">
-                          <a:lumMod val="65000"/>
-                        </a:schemeClr>
-                      </a:solidFill>
-                      <a:prstDash val="solid"/>
-                      <a:round/>
-                      <a:headEnd type="none" w="med" len="med"/>
-                      <a:tailEnd type="none" w="med" len="med"/>
-                    </a:lnR>
-                    <a:lnT w="3175" cap="flat" cmpd="sng" algn="ctr">
-                      <a:solidFill>
-                        <a:schemeClr val="bg1">
-                          <a:lumMod val="65000"/>
-                        </a:schemeClr>
-                      </a:solidFill>
-                      <a:prstDash val="solid"/>
-                      <a:round/>
-                      <a:headEnd type="none" w="med" len="med"/>
-                      <a:tailEnd type="none" w="med" len="med"/>
-                    </a:lnT>
-                    <a:lnB w="3175" cap="flat" cmpd="sng" algn="ctr">
-                      <a:solidFill>
-                        <a:schemeClr val="bg1">
-                          <a:lumMod val="65000"/>
-                        </a:schemeClr>
-                      </a:solidFill>
-                      <a:prstDash val="solid"/>
-                      <a:round/>
-                      <a:headEnd type="none" w="med" len="med"/>
-                      <a:tailEnd type="none" w="med" len="med"/>
-                    </a:lnB>
-                    <a:lnTlToBr w="12700" cmpd="sng">
-                      <a:noFill/>
-                      <a:prstDash val="solid"/>
-                    </a:lnTlToBr>
-                    <a:lnBlToTr w="12700" cmpd="sng">
-                      <a:noFill/>
-                      <a:prstDash val="solid"/>
-                    </a:lnBlToTr>
-                    <a:solidFill>
-                      <a:schemeClr val="bg1"/>
-                    </a:solidFill>
-                  </a:tcPr>
-                </a:tc>
-                <a:extLst>
-                  <a:ext uri="{0D108BD9-81ED-4DB2-BD59-A6C34878D82A}">
-                    <a16:rowId xmlns:a16="http://schemas.microsoft.com/office/drawing/2014/main" val="468581775"/>
-                  </a:ext>
-                </a:extLst>
-              </a:tr>
               <a:tr h="288000">
                 <a:tc gridSpan="4">
                   <a:txBody>
@@ -3878,7 +3976,7 @@
                     <a:lstStyle/>
                     <a:p>
                       <a:pPr algn="ctr" latinLnBrk="1"/>
-                      <a:endParaRPr lang="ko-KR" altLang="en-US" sz="1400" b="1">
+                      <a:endParaRPr lang="ko-KR" altLang="en-US" sz="1400" b="1" dirty="0">
                         <a:solidFill>
                           <a:schemeClr val="tx1"/>
                         </a:solidFill>
@@ -4154,7 +4252,7 @@
                         <a:defRPr/>
                       </a:pPr>
                       <a:r>
-                        <a:rPr lang="ko-KR" altLang="en-US" sz="1400" b="1" smtClean="0">
+                        <a:rPr lang="ko-KR" altLang="en-US" sz="1400" b="1" dirty="0">
                           <a:solidFill>
                             <a:schemeClr val="tx1"/>
                           </a:solidFill>
@@ -4163,7 +4261,7 @@
                         <a:t>중점점검사항</a:t>
                       </a:r>
                       <a:r>
-                        <a:rPr lang="en-US" altLang="ko-KR" sz="1400" b="1" smtClean="0">
+                        <a:rPr lang="en-US" altLang="ko-KR" sz="1400" b="1" dirty="0">
                           <a:solidFill>
                             <a:schemeClr val="tx1"/>
                           </a:solidFill>
@@ -4172,7 +4270,7 @@
                         <a:t>(</a:t>
                       </a:r>
                       <a:r>
-                        <a:rPr lang="ko-KR" altLang="en-US" sz="1400" b="1" smtClean="0">
+                        <a:rPr lang="ko-KR" altLang="en-US" sz="1400" b="1" dirty="0">
                           <a:solidFill>
                             <a:schemeClr val="tx1"/>
                           </a:solidFill>
@@ -4181,7 +4279,7 @@
                         <a:t>점검내용</a:t>
                       </a:r>
                       <a:r>
-                        <a:rPr lang="en-US" altLang="ko-KR" sz="1400" b="1" smtClean="0">
+                        <a:rPr lang="en-US" altLang="ko-KR" sz="1400" b="1" dirty="0">
                           <a:solidFill>
                             <a:schemeClr val="tx1"/>
                           </a:solidFill>
@@ -4190,7 +4288,7 @@
                         <a:t>/</a:t>
                       </a:r>
                       <a:r>
-                        <a:rPr lang="ko-KR" altLang="en-US" sz="1400" b="1" smtClean="0">
+                        <a:rPr lang="ko-KR" altLang="en-US" sz="1400" b="1" dirty="0">
                           <a:solidFill>
                             <a:schemeClr val="tx1"/>
                           </a:solidFill>
@@ -4199,7 +4297,7 @@
                         <a:t>예상결과</a:t>
                       </a:r>
                       <a:r>
-                        <a:rPr lang="en-US" altLang="ko-KR" sz="1400" b="1" smtClean="0">
+                        <a:rPr lang="en-US" altLang="ko-KR" sz="1400" b="1" dirty="0">
                           <a:solidFill>
                             <a:schemeClr val="tx1"/>
                           </a:solidFill>
@@ -4475,7 +4573,31 @@
                     <a:lstStyle/>
                     <a:p>
                       <a:pPr algn="l" latinLnBrk="1"/>
-                      <a:endParaRPr lang="en-US" altLang="ko-KR" sz="1200" b="0" smtClean="0">
+                      <a:r>
+                        <a:rPr lang="ko-KR" altLang="en-US" sz="1200" b="0" dirty="0">
+                          <a:solidFill>
+                            <a:schemeClr val="tx1"/>
+                          </a:solidFill>
+                        </a:rPr>
+                        <a:t>중점점검사항 점검내용</a:t>
+                      </a:r>
+                      <a:r>
+                        <a:rPr lang="en-US" altLang="ko-KR" sz="1200" b="0" dirty="0">
+                          <a:solidFill>
+                            <a:schemeClr val="tx1"/>
+                          </a:solidFill>
+                        </a:rPr>
+                        <a:t>/</a:t>
+                      </a:r>
+                      <a:r>
+                        <a:rPr lang="ko-KR" altLang="en-US" sz="1200" b="0" dirty="0">
+                          <a:solidFill>
+                            <a:schemeClr val="tx1"/>
+                          </a:solidFill>
+                        </a:rPr>
+                        <a:t>예상결과내용</a:t>
+                      </a:r>
+                      <a:endParaRPr lang="en-US" altLang="ko-KR" sz="1200" b="0" dirty="0">
                         <a:solidFill>
                           <a:schemeClr val="tx1"/>
                         </a:solidFill>
@@ -4746,7 +4868,7 @@
                     <a:lstStyle/>
                     <a:p>
                       <a:pPr algn="ctr" latinLnBrk="1"/>
-                      <a:endParaRPr lang="ko-KR" altLang="en-US" sz="1400" b="1">
+                      <a:endParaRPr lang="ko-KR" altLang="en-US" sz="1400" b="1" dirty="0">
                         <a:solidFill>
                           <a:schemeClr val="tx1"/>
                         </a:solidFill>
@@ -4846,7 +4968,7 @@
                     <a:p>
                       <a:pPr algn="ctr" latinLnBrk="1"/>
                       <a:r>
-                        <a:rPr lang="ko-KR" altLang="en-US" sz="1400" b="1" kern="1200" smtClean="0">
+                        <a:rPr lang="ko-KR" altLang="en-US" sz="1400" b="1" kern="1200" dirty="0">
                           <a:solidFill>
                             <a:schemeClr val="tx1"/>
                           </a:solidFill>
@@ -4856,14 +4978,6 @@
                         </a:rPr>
                         <a:t>점검 결과</a:t>
                       </a:r>
-                      <a:endParaRPr lang="ko-KR" altLang="en-US" sz="1400" b="1" kern="1200">
-                        <a:solidFill>
-                          <a:schemeClr val="tx1"/>
-                        </a:solidFill>
-                        <a:latin typeface="+mn-ea"/>
-                        <a:ea typeface="+mn-ea"/>
-                        <a:cs typeface="+mn-cs"/>
-                      </a:endParaRPr>
                     </a:p>
                   </a:txBody>
                   <a:tcPr anchor="ctr">
@@ -5132,7 +5246,7 @@
                     <a:lstStyle/>
                     <a:p>
                       <a:pPr algn="l" latinLnBrk="1"/>
-                      <a:endParaRPr lang="ko-KR" altLang="en-US" sz="1200" b="0">
+                      <a:endParaRPr lang="ko-KR" altLang="en-US" sz="1200" b="0" dirty="0">
                         <a:solidFill>
                           <a:schemeClr val="tx1"/>
                         </a:solidFill>

--- a/makePPT/master.pptx
+++ b/makePPT/master.pptx
@@ -1915,7 +1915,7 @@
           <p:nvPr>
             <p:extLst>
               <p:ext uri="{D42A27DB-BD31-4B8C-83A1-F6EECF244321}">
-                <p14:modId xmlns:p14="http://schemas.microsoft.com/office/powerpoint/2010/main" val="1353342183"/>
+                <p14:modId xmlns:p14="http://schemas.microsoft.com/office/powerpoint/2010/main" val="3837924634"/>
               </p:ext>
             </p:extLst>
           </p:nvPr>
@@ -3738,6 +3738,17 @@
                     <a:p>
                       <a:pPr algn="l" latinLnBrk="1"/>
                       <a:r>
+                        <a:rPr lang="ko-KR" altLang="en-US" sz="1400" b="0" kern="1200" dirty="0" err="1">
+                          <a:solidFill>
+                            <a:schemeClr val="tx1"/>
+                          </a:solidFill>
+                          <a:latin typeface="+mn-ea"/>
+                          <a:ea typeface="+mn-ea"/>
+                          <a:cs typeface="+mn-cs"/>
+                        </a:rPr>
+                        <a:t>화면명</a:t>
+                      </a:r>
+                      <a:r>
                         <a:rPr lang="en-US" altLang="ko-KR" sz="1400" b="0" kern="1200" dirty="0">
                           <a:solidFill>
                             <a:schemeClr val="tx1"/>
@@ -3746,7 +3757,7 @@
                           <a:ea typeface="+mn-ea"/>
                           <a:cs typeface="+mn-cs"/>
                         </a:rPr>
-                        <a:t>Menu Path</a:t>
+                        <a:t>(Menu Path)</a:t>
                       </a:r>
                       <a:r>
                         <a:rPr lang="ko-KR" altLang="en-US" sz="1400" b="0" kern="1200" dirty="0">

--- a/makePPT/master.pptx
+++ b/makePPT/master.pptx
@@ -506,104 +506,6 @@
           </a:prstGeom>
         </p:spPr>
       </p:pic>
-      <p:sp>
-        <p:nvSpPr>
-          <p:cNvPr id="5" name="텍스트 개체 틀 4"/>
-          <p:cNvSpPr>
-            <a:spLocks noGrp="1"/>
-          </p:cNvSpPr>
-          <p:nvPr>
-            <p:ph type="body" sz="quarter" idx="10"/>
-          </p:nvPr>
-        </p:nvSpPr>
-        <p:spPr>
-          <a:xfrm>
-            <a:off x="86821" y="0"/>
-            <a:ext cx="9563509" cy="598488"/>
-          </a:xfrm>
-          <a:prstGeom prst="rect">
-            <a:avLst/>
-          </a:prstGeom>
-        </p:spPr>
-        <p:txBody>
-          <a:bodyPr anchor="ctr"/>
-          <a:lstStyle>
-            <a:lvl1pPr marL="0" indent="0" algn="l" defTabSz="867583" rtl="0" eaLnBrk="1" latinLnBrk="1" hangingPunct="1">
-              <a:buNone/>
-              <a:tabLst>
-                <a:tab pos="168697" algn="l"/>
-              </a:tabLst>
-              <a:defRPr lang="ko-KR" altLang="en-US" sz="2400" b="1" kern="1200" spc="-95" baseline="0" smtClean="0">
-                <a:solidFill>
-                  <a:schemeClr val="bg1"/>
-                </a:solidFill>
-                <a:latin typeface="+mn-ea"/>
-                <a:ea typeface="+mn-ea"/>
-                <a:cs typeface="+mn-cs"/>
-              </a:defRPr>
-            </a:lvl1pPr>
-            <a:lvl2pPr marL="0" algn="l" defTabSz="867583" rtl="0" eaLnBrk="1" latinLnBrk="1" hangingPunct="1">
-              <a:tabLst>
-                <a:tab pos="168697" algn="l"/>
-              </a:tabLst>
-              <a:defRPr lang="ko-KR" altLang="en-US" sz="2277" b="1" kern="1200" smtClean="0">
-                <a:solidFill>
-                  <a:schemeClr val="bg1"/>
-                </a:solidFill>
-                <a:latin typeface="+mn-ea"/>
-                <a:ea typeface="+mn-ea"/>
-                <a:cs typeface="+mn-cs"/>
-              </a:defRPr>
-            </a:lvl2pPr>
-            <a:lvl3pPr marL="0" algn="l" defTabSz="867583" rtl="0" eaLnBrk="1" latinLnBrk="1" hangingPunct="1">
-              <a:tabLst>
-                <a:tab pos="168697" algn="l"/>
-              </a:tabLst>
-              <a:defRPr lang="ko-KR" altLang="en-US" sz="2277" b="1" kern="1200" smtClean="0">
-                <a:solidFill>
-                  <a:schemeClr val="bg1"/>
-                </a:solidFill>
-                <a:latin typeface="+mn-ea"/>
-                <a:ea typeface="+mn-ea"/>
-                <a:cs typeface="+mn-cs"/>
-              </a:defRPr>
-            </a:lvl3pPr>
-            <a:lvl4pPr marL="0" algn="l" defTabSz="867583" rtl="0" eaLnBrk="1" latinLnBrk="1" hangingPunct="1">
-              <a:tabLst>
-                <a:tab pos="168697" algn="l"/>
-              </a:tabLst>
-              <a:defRPr lang="ko-KR" altLang="en-US" sz="2277" b="1" kern="1200" smtClean="0">
-                <a:solidFill>
-                  <a:schemeClr val="bg1"/>
-                </a:solidFill>
-                <a:latin typeface="+mn-ea"/>
-                <a:ea typeface="+mn-ea"/>
-                <a:cs typeface="+mn-cs"/>
-              </a:defRPr>
-            </a:lvl4pPr>
-            <a:lvl5pPr marL="0" algn="l" defTabSz="867583" rtl="0" eaLnBrk="1" latinLnBrk="1" hangingPunct="1">
-              <a:tabLst>
-                <a:tab pos="168697" algn="l"/>
-              </a:tabLst>
-              <a:defRPr lang="ko-KR" altLang="en-US" sz="2277" b="1" kern="1200">
-                <a:solidFill>
-                  <a:schemeClr val="bg1"/>
-                </a:solidFill>
-                <a:latin typeface="+mn-ea"/>
-                <a:ea typeface="+mn-ea"/>
-                <a:cs typeface="+mn-cs"/>
-              </a:defRPr>
-            </a:lvl5pPr>
-          </a:lstStyle>
-          <a:p>
-            <a:pPr lvl="0"/>
-            <a:r>
-              <a:rPr lang="ko-KR" altLang="en-US"/>
-              <a:t>마스터 텍스트 스타일을 편집합니다</a:t>
-            </a:r>
-          </a:p>
-        </p:txBody>
-      </p:sp>
       <p:sp>
         <p:nvSpPr>
           <p:cNvPr id="4" name="Rectangle 30">
@@ -1887,25 +1789,6 @@
           <a:chExt cx="0" cy="0"/>
         </a:xfrm>
       </p:grpSpPr>
-      <p:sp>
-        <p:nvSpPr>
-          <p:cNvPr id="14" name="텍스트 개체 틀 13"/>
-          <p:cNvSpPr>
-            <a:spLocks noGrp="1"/>
-          </p:cNvSpPr>
-          <p:nvPr>
-            <p:ph type="body" sz="quarter" idx="10"/>
-          </p:nvPr>
-        </p:nvSpPr>
-        <p:spPr/>
-        <p:txBody>
-          <a:bodyPr/>
-          <a:lstStyle/>
-          <a:p>
-            <a:endParaRPr lang="ko-KR" altLang="en-US"/>
-          </a:p>
-        </p:txBody>
-      </p:sp>
       <p:graphicFrame>
         <p:nvGraphicFramePr>
           <p:cNvPr id="13" name="표 12"/>
@@ -5525,6 +5408,76 @@
           </a:graphicData>
         </a:graphic>
       </p:graphicFrame>
+      <p:sp>
+        <p:nvSpPr>
+          <p:cNvPr id="2" name="TextBox 1">
+            <a:extLst>
+              <a:ext uri="{FF2B5EF4-FFF2-40B4-BE49-F238E27FC236}">
+                <a16:creationId xmlns:a16="http://schemas.microsoft.com/office/drawing/2014/main" id="{EE264477-869F-4A68-AEA2-F38857BFDC46}"/>
+              </a:ext>
+            </a:extLst>
+          </p:cNvPr>
+          <p:cNvSpPr txBox="1"/>
+          <p:nvPr/>
+        </p:nvSpPr>
+        <p:spPr bwMode="auto">
+          <a:xfrm>
+            <a:off x="71718" y="112552"/>
+            <a:ext cx="9360000" cy="400110"/>
+          </a:xfrm>
+          <a:prstGeom prst="rect">
+            <a:avLst/>
+          </a:prstGeom>
+          <a:noFill/>
+          <a:ln w="9525" algn="ctr">
+            <a:noFill/>
+            <a:miter lim="800000"/>
+            <a:headEnd/>
+            <a:tailEnd/>
+          </a:ln>
+          <a:effectLst>
+            <a:prstShdw prst="shdw17" dist="17961" dir="2700000">
+              <a:schemeClr val="accent1">
+                <a:gamma/>
+                <a:shade val="60000"/>
+                <a:invGamma/>
+              </a:schemeClr>
+            </a:prstShdw>
+          </a:effectLst>
+        </p:spPr>
+        <p:txBody>
+          <a:bodyPr wrap="square" rtlCol="0">
+            <a:spAutoFit/>
+          </a:bodyPr>
+          <a:lstStyle/>
+          <a:p>
+            <a:pPr defTabSz="867583" fontAlgn="base">
+              <a:spcBef>
+                <a:spcPct val="0"/>
+              </a:spcBef>
+              <a:spcAft>
+                <a:spcPct val="0"/>
+              </a:spcAft>
+              <a:buClr>
+                <a:srgbClr val="000000"/>
+              </a:buClr>
+              <a:buSzPct val="100000"/>
+              <a:tabLst>
+                <a:tab pos="168697" algn="l"/>
+              </a:tabLst>
+            </a:pPr>
+            <a:r>
+              <a:rPr kumimoji="1" lang="ko-KR" altLang="en-US" sz="2000" b="1" spc="-95" dirty="0">
+                <a:solidFill>
+                  <a:schemeClr val="bg1"/>
+                </a:solidFill>
+                <a:latin typeface="+mn-ea"/>
+              </a:rPr>
+              <a:t>타이틀</a:t>
+            </a:r>
+          </a:p>
+        </p:txBody>
+      </p:sp>
     </p:spTree>
     <p:extLst>
       <p:ext uri="{BB962C8B-B14F-4D97-AF65-F5344CB8AC3E}">
